--- a/ppt 16-9/0923.患难助我进天国.pptx
+++ b/ppt 16-9/0923.患难助我进天国.pptx
@@ -5,7 +5,7 @@
     <p:sldMasterId id="2147483648" r:id="rId1"/>
   </p:sldMasterIdLst>
   <p:sldIdLst>
-    <p:sldId id="288" r:id="rId2"/>
+    <p:sldId id="290" r:id="rId2"/>
   </p:sldIdLst>
   <p:sldSz cx="12192000" cy="6858000"/>
   <p:notesSz cx="6858000" cy="9144000"/>
@@ -129,7 +129,7 @@
           <p:cNvPr id="2" name="标题 1">
             <a:extLst>
               <a:ext uri="{FF2B5EF4-FFF2-40B4-BE49-F238E27FC236}">
-                <a16:creationId xmlns:a16="http://schemas.microsoft.com/office/drawing/2014/main" id="{DF4E3CF1-D9CF-CA27-34B6-67F2FBCC637F}"/>
+                <a16:creationId xmlns:a16="http://schemas.microsoft.com/office/drawing/2014/main" id="{26C4FFBA-F021-A104-ADD0-136062C7C734}"/>
               </a:ext>
             </a:extLst>
           </p:cNvPr>
@@ -166,7 +166,7 @@
           <p:cNvPr id="3" name="副标题 2">
             <a:extLst>
               <a:ext uri="{FF2B5EF4-FFF2-40B4-BE49-F238E27FC236}">
-                <a16:creationId xmlns:a16="http://schemas.microsoft.com/office/drawing/2014/main" id="{DEF3D906-A145-B6B8-C582-8026F9C144CE}"/>
+                <a16:creationId xmlns:a16="http://schemas.microsoft.com/office/drawing/2014/main" id="{2B0C1BA0-ACD7-F10D-AA6C-AD103F617D6E}"/>
               </a:ext>
             </a:extLst>
           </p:cNvPr>
@@ -236,7 +236,7 @@
           <p:cNvPr id="4" name="日期占位符 3">
             <a:extLst>
               <a:ext uri="{FF2B5EF4-FFF2-40B4-BE49-F238E27FC236}">
-                <a16:creationId xmlns:a16="http://schemas.microsoft.com/office/drawing/2014/main" id="{ECDC3D48-FC64-5BAA-9F29-7B56ED715F3D}"/>
+                <a16:creationId xmlns:a16="http://schemas.microsoft.com/office/drawing/2014/main" id="{B1CE980D-8CB7-F17A-5463-50A0B4C55398}"/>
               </a:ext>
             </a:extLst>
           </p:cNvPr>
@@ -252,7 +252,7 @@
           <a:bodyPr/>
           <a:lstStyle/>
           <a:p>
-            <a:fld id="{21A97B42-1522-4FF7-93E0-942D412BF246}" type="datetimeFigureOut">
+            <a:fld id="{BD5F28EF-F8CC-4040-BFC9-B632C5297458}" type="datetimeFigureOut">
               <a:rPr lang="zh-CN" altLang="en-US" smtClean="0"/>
               <a:t>2024/3/10</a:t>
             </a:fld>
@@ -265,7 +265,7 @@
           <p:cNvPr id="5" name="页脚占位符 4">
             <a:extLst>
               <a:ext uri="{FF2B5EF4-FFF2-40B4-BE49-F238E27FC236}">
-                <a16:creationId xmlns:a16="http://schemas.microsoft.com/office/drawing/2014/main" id="{0036BEF3-4123-CAE6-26B4-E88CF2DE1EDE}"/>
+                <a16:creationId xmlns:a16="http://schemas.microsoft.com/office/drawing/2014/main" id="{9341CFB1-1AAB-F0E9-CCF8-1F6F53CB4DAC}"/>
               </a:ext>
             </a:extLst>
           </p:cNvPr>
@@ -290,7 +290,7 @@
           <p:cNvPr id="6" name="灯片编号占位符 5">
             <a:extLst>
               <a:ext uri="{FF2B5EF4-FFF2-40B4-BE49-F238E27FC236}">
-                <a16:creationId xmlns:a16="http://schemas.microsoft.com/office/drawing/2014/main" id="{7F8D6B6C-6453-A213-A47E-C290198D5B03}"/>
+                <a16:creationId xmlns:a16="http://schemas.microsoft.com/office/drawing/2014/main" id="{0BBF11EC-584F-3027-DCEC-C649D945D24D}"/>
               </a:ext>
             </a:extLst>
           </p:cNvPr>
@@ -306,7 +306,7 @@
           <a:bodyPr/>
           <a:lstStyle/>
           <a:p>
-            <a:fld id="{AD89C6FE-A9D2-41DD-92A9-BC7828FF72C4}" type="slidenum">
+            <a:fld id="{32A386AD-E4FD-46AC-BEF4-C5B229E3F653}" type="slidenum">
               <a:rPr lang="zh-CN" altLang="en-US" smtClean="0"/>
               <a:t>‹#›</a:t>
             </a:fld>
@@ -317,7 +317,7 @@
     </p:spTree>
     <p:extLst>
       <p:ext uri="{BB962C8B-B14F-4D97-AF65-F5344CB8AC3E}">
-        <p14:creationId xmlns:p14="http://schemas.microsoft.com/office/powerpoint/2010/main" val="1367884631"/>
+        <p14:creationId xmlns:p14="http://schemas.microsoft.com/office/powerpoint/2010/main" val="1646282399"/>
       </p:ext>
     </p:extLst>
   </p:cSld>
@@ -349,7 +349,7 @@
           <p:cNvPr id="2" name="标题 1">
             <a:extLst>
               <a:ext uri="{FF2B5EF4-FFF2-40B4-BE49-F238E27FC236}">
-                <a16:creationId xmlns:a16="http://schemas.microsoft.com/office/drawing/2014/main" id="{B69770AF-6873-8A97-33C7-F25AF9D263EA}"/>
+                <a16:creationId xmlns:a16="http://schemas.microsoft.com/office/drawing/2014/main" id="{0D628F48-315E-3A06-C9B6-E316EBD3F327}"/>
               </a:ext>
             </a:extLst>
           </p:cNvPr>
@@ -377,7 +377,7 @@
           <p:cNvPr id="3" name="竖排文字占位符 2">
             <a:extLst>
               <a:ext uri="{FF2B5EF4-FFF2-40B4-BE49-F238E27FC236}">
-                <a16:creationId xmlns:a16="http://schemas.microsoft.com/office/drawing/2014/main" id="{3698DDBE-1E35-9AA7-1377-79E015453F5A}"/>
+                <a16:creationId xmlns:a16="http://schemas.microsoft.com/office/drawing/2014/main" id="{66C8DB85-FEB3-0AC3-5DDB-C2CAE3EE7FC5}"/>
               </a:ext>
             </a:extLst>
           </p:cNvPr>
@@ -434,7 +434,7 @@
           <p:cNvPr id="4" name="日期占位符 3">
             <a:extLst>
               <a:ext uri="{FF2B5EF4-FFF2-40B4-BE49-F238E27FC236}">
-                <a16:creationId xmlns:a16="http://schemas.microsoft.com/office/drawing/2014/main" id="{DDF04A70-0006-2DE8-B134-D380D8A39846}"/>
+                <a16:creationId xmlns:a16="http://schemas.microsoft.com/office/drawing/2014/main" id="{DE3B22DC-D347-9A35-B511-2B4E777444AA}"/>
               </a:ext>
             </a:extLst>
           </p:cNvPr>
@@ -450,7 +450,7 @@
           <a:bodyPr/>
           <a:lstStyle/>
           <a:p>
-            <a:fld id="{21A97B42-1522-4FF7-93E0-942D412BF246}" type="datetimeFigureOut">
+            <a:fld id="{BD5F28EF-F8CC-4040-BFC9-B632C5297458}" type="datetimeFigureOut">
               <a:rPr lang="zh-CN" altLang="en-US" smtClean="0"/>
               <a:t>2024/3/10</a:t>
             </a:fld>
@@ -463,7 +463,7 @@
           <p:cNvPr id="5" name="页脚占位符 4">
             <a:extLst>
               <a:ext uri="{FF2B5EF4-FFF2-40B4-BE49-F238E27FC236}">
-                <a16:creationId xmlns:a16="http://schemas.microsoft.com/office/drawing/2014/main" id="{CAF44427-494E-CC99-EA15-D97E2A33CAB7}"/>
+                <a16:creationId xmlns:a16="http://schemas.microsoft.com/office/drawing/2014/main" id="{C8AB597C-8DF5-E1CC-C7FE-88617F0D30DC}"/>
               </a:ext>
             </a:extLst>
           </p:cNvPr>
@@ -488,7 +488,7 @@
           <p:cNvPr id="6" name="灯片编号占位符 5">
             <a:extLst>
               <a:ext uri="{FF2B5EF4-FFF2-40B4-BE49-F238E27FC236}">
-                <a16:creationId xmlns:a16="http://schemas.microsoft.com/office/drawing/2014/main" id="{02C787FE-16F3-CB74-DC06-42A8D1782998}"/>
+                <a16:creationId xmlns:a16="http://schemas.microsoft.com/office/drawing/2014/main" id="{2683DF65-0A27-169C-72E2-D3DCA6559F0D}"/>
               </a:ext>
             </a:extLst>
           </p:cNvPr>
@@ -504,7 +504,7 @@
           <a:bodyPr/>
           <a:lstStyle/>
           <a:p>
-            <a:fld id="{AD89C6FE-A9D2-41DD-92A9-BC7828FF72C4}" type="slidenum">
+            <a:fld id="{32A386AD-E4FD-46AC-BEF4-C5B229E3F653}" type="slidenum">
               <a:rPr lang="zh-CN" altLang="en-US" smtClean="0"/>
               <a:t>‹#›</a:t>
             </a:fld>
@@ -515,7 +515,7 @@
     </p:spTree>
     <p:extLst>
       <p:ext uri="{BB962C8B-B14F-4D97-AF65-F5344CB8AC3E}">
-        <p14:creationId xmlns:p14="http://schemas.microsoft.com/office/powerpoint/2010/main" val="858718185"/>
+        <p14:creationId xmlns:p14="http://schemas.microsoft.com/office/powerpoint/2010/main" val="1221694297"/>
       </p:ext>
     </p:extLst>
   </p:cSld>
@@ -547,7 +547,7 @@
           <p:cNvPr id="2" name="竖排标题 1">
             <a:extLst>
               <a:ext uri="{FF2B5EF4-FFF2-40B4-BE49-F238E27FC236}">
-                <a16:creationId xmlns:a16="http://schemas.microsoft.com/office/drawing/2014/main" id="{A2C55758-3C59-BA39-7837-AAF607117760}"/>
+                <a16:creationId xmlns:a16="http://schemas.microsoft.com/office/drawing/2014/main" id="{69D3EF3A-1910-FBDA-8421-27A1CB729E46}"/>
               </a:ext>
             </a:extLst>
           </p:cNvPr>
@@ -580,7 +580,7 @@
           <p:cNvPr id="3" name="竖排文字占位符 2">
             <a:extLst>
               <a:ext uri="{FF2B5EF4-FFF2-40B4-BE49-F238E27FC236}">
-                <a16:creationId xmlns:a16="http://schemas.microsoft.com/office/drawing/2014/main" id="{2A535FE9-4839-FA55-2B7F-DF0C54B0E95B}"/>
+                <a16:creationId xmlns:a16="http://schemas.microsoft.com/office/drawing/2014/main" id="{9AACF8EE-5BB8-2823-76F3-4226C6E9DE35}"/>
               </a:ext>
             </a:extLst>
           </p:cNvPr>
@@ -642,7 +642,7 @@
           <p:cNvPr id="4" name="日期占位符 3">
             <a:extLst>
               <a:ext uri="{FF2B5EF4-FFF2-40B4-BE49-F238E27FC236}">
-                <a16:creationId xmlns:a16="http://schemas.microsoft.com/office/drawing/2014/main" id="{40F2D080-BC81-7E74-20F2-70123286F9C1}"/>
+                <a16:creationId xmlns:a16="http://schemas.microsoft.com/office/drawing/2014/main" id="{A524E96C-247A-3675-DFF7-224964C6E5AE}"/>
               </a:ext>
             </a:extLst>
           </p:cNvPr>
@@ -658,7 +658,7 @@
           <a:bodyPr/>
           <a:lstStyle/>
           <a:p>
-            <a:fld id="{21A97B42-1522-4FF7-93E0-942D412BF246}" type="datetimeFigureOut">
+            <a:fld id="{BD5F28EF-F8CC-4040-BFC9-B632C5297458}" type="datetimeFigureOut">
               <a:rPr lang="zh-CN" altLang="en-US" smtClean="0"/>
               <a:t>2024/3/10</a:t>
             </a:fld>
@@ -671,7 +671,7 @@
           <p:cNvPr id="5" name="页脚占位符 4">
             <a:extLst>
               <a:ext uri="{FF2B5EF4-FFF2-40B4-BE49-F238E27FC236}">
-                <a16:creationId xmlns:a16="http://schemas.microsoft.com/office/drawing/2014/main" id="{953DD2FB-1C63-8A1E-AC47-9C0322BBCB7E}"/>
+                <a16:creationId xmlns:a16="http://schemas.microsoft.com/office/drawing/2014/main" id="{C70E31F3-A8F0-B92D-DC59-C4764AD3A3DA}"/>
               </a:ext>
             </a:extLst>
           </p:cNvPr>
@@ -696,7 +696,7 @@
           <p:cNvPr id="6" name="灯片编号占位符 5">
             <a:extLst>
               <a:ext uri="{FF2B5EF4-FFF2-40B4-BE49-F238E27FC236}">
-                <a16:creationId xmlns:a16="http://schemas.microsoft.com/office/drawing/2014/main" id="{83F69DB5-98C6-6EA9-4426-65A1FF4321A2}"/>
+                <a16:creationId xmlns:a16="http://schemas.microsoft.com/office/drawing/2014/main" id="{3B2FDC5B-A990-18E6-B843-0FAE9D3DD13A}"/>
               </a:ext>
             </a:extLst>
           </p:cNvPr>
@@ -712,7 +712,7 @@
           <a:bodyPr/>
           <a:lstStyle/>
           <a:p>
-            <a:fld id="{AD89C6FE-A9D2-41DD-92A9-BC7828FF72C4}" type="slidenum">
+            <a:fld id="{32A386AD-E4FD-46AC-BEF4-C5B229E3F653}" type="slidenum">
               <a:rPr lang="zh-CN" altLang="en-US" smtClean="0"/>
               <a:t>‹#›</a:t>
             </a:fld>
@@ -723,7 +723,7 @@
     </p:spTree>
     <p:extLst>
       <p:ext uri="{BB962C8B-B14F-4D97-AF65-F5344CB8AC3E}">
-        <p14:creationId xmlns:p14="http://schemas.microsoft.com/office/powerpoint/2010/main" val="634218427"/>
+        <p14:creationId xmlns:p14="http://schemas.microsoft.com/office/powerpoint/2010/main" val="2976049751"/>
       </p:ext>
     </p:extLst>
   </p:cSld>
@@ -755,7 +755,7 @@
           <p:cNvPr id="2" name="标题 1">
             <a:extLst>
               <a:ext uri="{FF2B5EF4-FFF2-40B4-BE49-F238E27FC236}">
-                <a16:creationId xmlns:a16="http://schemas.microsoft.com/office/drawing/2014/main" id="{F0FD26CB-3151-F789-09B9-0CF54FFEC519}"/>
+                <a16:creationId xmlns:a16="http://schemas.microsoft.com/office/drawing/2014/main" id="{00748808-522B-1DF5-2449-7486735257A7}"/>
               </a:ext>
             </a:extLst>
           </p:cNvPr>
@@ -783,7 +783,7 @@
           <p:cNvPr id="3" name="内容占位符 2">
             <a:extLst>
               <a:ext uri="{FF2B5EF4-FFF2-40B4-BE49-F238E27FC236}">
-                <a16:creationId xmlns:a16="http://schemas.microsoft.com/office/drawing/2014/main" id="{59DBE524-9CB4-FB8E-2243-8A01AF888D01}"/>
+                <a16:creationId xmlns:a16="http://schemas.microsoft.com/office/drawing/2014/main" id="{9298AB97-FA86-7E13-5AF4-B1557538E1D7}"/>
               </a:ext>
             </a:extLst>
           </p:cNvPr>
@@ -840,7 +840,7 @@
           <p:cNvPr id="4" name="日期占位符 3">
             <a:extLst>
               <a:ext uri="{FF2B5EF4-FFF2-40B4-BE49-F238E27FC236}">
-                <a16:creationId xmlns:a16="http://schemas.microsoft.com/office/drawing/2014/main" id="{7D4BFF52-E7EB-8200-D48C-9487C8A9EF16}"/>
+                <a16:creationId xmlns:a16="http://schemas.microsoft.com/office/drawing/2014/main" id="{13C1AEBB-50A4-F034-C158-B5E9073650DE}"/>
               </a:ext>
             </a:extLst>
           </p:cNvPr>
@@ -856,7 +856,7 @@
           <a:bodyPr/>
           <a:lstStyle/>
           <a:p>
-            <a:fld id="{21A97B42-1522-4FF7-93E0-942D412BF246}" type="datetimeFigureOut">
+            <a:fld id="{BD5F28EF-F8CC-4040-BFC9-B632C5297458}" type="datetimeFigureOut">
               <a:rPr lang="zh-CN" altLang="en-US" smtClean="0"/>
               <a:t>2024/3/10</a:t>
             </a:fld>
@@ -869,7 +869,7 @@
           <p:cNvPr id="5" name="页脚占位符 4">
             <a:extLst>
               <a:ext uri="{FF2B5EF4-FFF2-40B4-BE49-F238E27FC236}">
-                <a16:creationId xmlns:a16="http://schemas.microsoft.com/office/drawing/2014/main" id="{AA243E61-D855-0C09-92CB-9F9687E415EA}"/>
+                <a16:creationId xmlns:a16="http://schemas.microsoft.com/office/drawing/2014/main" id="{F30EF9F7-BBB0-2625-F07B-D3C5CA86E2DD}"/>
               </a:ext>
             </a:extLst>
           </p:cNvPr>
@@ -894,7 +894,7 @@
           <p:cNvPr id="6" name="灯片编号占位符 5">
             <a:extLst>
               <a:ext uri="{FF2B5EF4-FFF2-40B4-BE49-F238E27FC236}">
-                <a16:creationId xmlns:a16="http://schemas.microsoft.com/office/drawing/2014/main" id="{A498BD24-0AA5-871D-D634-9C688BB02FBB}"/>
+                <a16:creationId xmlns:a16="http://schemas.microsoft.com/office/drawing/2014/main" id="{C6C0ADA9-7DC7-79F3-B9C1-B409C8F8A2F7}"/>
               </a:ext>
             </a:extLst>
           </p:cNvPr>
@@ -910,7 +910,7 @@
           <a:bodyPr/>
           <a:lstStyle/>
           <a:p>
-            <a:fld id="{AD89C6FE-A9D2-41DD-92A9-BC7828FF72C4}" type="slidenum">
+            <a:fld id="{32A386AD-E4FD-46AC-BEF4-C5B229E3F653}" type="slidenum">
               <a:rPr lang="zh-CN" altLang="en-US" smtClean="0"/>
               <a:t>‹#›</a:t>
             </a:fld>
@@ -921,7 +921,7 @@
     </p:spTree>
     <p:extLst>
       <p:ext uri="{BB962C8B-B14F-4D97-AF65-F5344CB8AC3E}">
-        <p14:creationId xmlns:p14="http://schemas.microsoft.com/office/powerpoint/2010/main" val="3719607569"/>
+        <p14:creationId xmlns:p14="http://schemas.microsoft.com/office/powerpoint/2010/main" val="3969676315"/>
       </p:ext>
     </p:extLst>
   </p:cSld>
@@ -953,7 +953,7 @@
           <p:cNvPr id="2" name="标题 1">
             <a:extLst>
               <a:ext uri="{FF2B5EF4-FFF2-40B4-BE49-F238E27FC236}">
-                <a16:creationId xmlns:a16="http://schemas.microsoft.com/office/drawing/2014/main" id="{51942CA6-B2C6-C62D-9C1E-40F0F94EB0F6}"/>
+                <a16:creationId xmlns:a16="http://schemas.microsoft.com/office/drawing/2014/main" id="{BA6CEE81-6355-8EDE-912D-E4194654B338}"/>
               </a:ext>
             </a:extLst>
           </p:cNvPr>
@@ -990,7 +990,7 @@
           <p:cNvPr id="3" name="文本占位符 2">
             <a:extLst>
               <a:ext uri="{FF2B5EF4-FFF2-40B4-BE49-F238E27FC236}">
-                <a16:creationId xmlns:a16="http://schemas.microsoft.com/office/drawing/2014/main" id="{4A459C5D-3340-E3B6-941D-A938F2DEF170}"/>
+                <a16:creationId xmlns:a16="http://schemas.microsoft.com/office/drawing/2014/main" id="{4E08DC6B-3693-057F-52FB-6316523D08F9}"/>
               </a:ext>
             </a:extLst>
           </p:cNvPr>
@@ -1115,7 +1115,7 @@
           <p:cNvPr id="4" name="日期占位符 3">
             <a:extLst>
               <a:ext uri="{FF2B5EF4-FFF2-40B4-BE49-F238E27FC236}">
-                <a16:creationId xmlns:a16="http://schemas.microsoft.com/office/drawing/2014/main" id="{86F092E2-DDF6-9ACD-CB20-6BAE1CF731CC}"/>
+                <a16:creationId xmlns:a16="http://schemas.microsoft.com/office/drawing/2014/main" id="{40FB6AB4-C2EA-1D7D-25AF-1E204439130B}"/>
               </a:ext>
             </a:extLst>
           </p:cNvPr>
@@ -1131,7 +1131,7 @@
           <a:bodyPr/>
           <a:lstStyle/>
           <a:p>
-            <a:fld id="{21A97B42-1522-4FF7-93E0-942D412BF246}" type="datetimeFigureOut">
+            <a:fld id="{BD5F28EF-F8CC-4040-BFC9-B632C5297458}" type="datetimeFigureOut">
               <a:rPr lang="zh-CN" altLang="en-US" smtClean="0"/>
               <a:t>2024/3/10</a:t>
             </a:fld>
@@ -1144,7 +1144,7 @@
           <p:cNvPr id="5" name="页脚占位符 4">
             <a:extLst>
               <a:ext uri="{FF2B5EF4-FFF2-40B4-BE49-F238E27FC236}">
-                <a16:creationId xmlns:a16="http://schemas.microsoft.com/office/drawing/2014/main" id="{8F80704C-7557-ACDE-E909-8ADB765202A8}"/>
+                <a16:creationId xmlns:a16="http://schemas.microsoft.com/office/drawing/2014/main" id="{282731F7-40BF-75C5-4CC9-F36C73D7A16C}"/>
               </a:ext>
             </a:extLst>
           </p:cNvPr>
@@ -1169,7 +1169,7 @@
           <p:cNvPr id="6" name="灯片编号占位符 5">
             <a:extLst>
               <a:ext uri="{FF2B5EF4-FFF2-40B4-BE49-F238E27FC236}">
-                <a16:creationId xmlns:a16="http://schemas.microsoft.com/office/drawing/2014/main" id="{57F1894C-340D-B30D-C977-A028B714FF65}"/>
+                <a16:creationId xmlns:a16="http://schemas.microsoft.com/office/drawing/2014/main" id="{02FF53E4-7EB2-8AC9-930A-B0A4014D478D}"/>
               </a:ext>
             </a:extLst>
           </p:cNvPr>
@@ -1185,7 +1185,7 @@
           <a:bodyPr/>
           <a:lstStyle/>
           <a:p>
-            <a:fld id="{AD89C6FE-A9D2-41DD-92A9-BC7828FF72C4}" type="slidenum">
+            <a:fld id="{32A386AD-E4FD-46AC-BEF4-C5B229E3F653}" type="slidenum">
               <a:rPr lang="zh-CN" altLang="en-US" smtClean="0"/>
               <a:t>‹#›</a:t>
             </a:fld>
@@ -1196,7 +1196,7 @@
     </p:spTree>
     <p:extLst>
       <p:ext uri="{BB962C8B-B14F-4D97-AF65-F5344CB8AC3E}">
-        <p14:creationId xmlns:p14="http://schemas.microsoft.com/office/powerpoint/2010/main" val="3144633201"/>
+        <p14:creationId xmlns:p14="http://schemas.microsoft.com/office/powerpoint/2010/main" val="3564627483"/>
       </p:ext>
     </p:extLst>
   </p:cSld>
@@ -1228,7 +1228,7 @@
           <p:cNvPr id="2" name="标题 1">
             <a:extLst>
               <a:ext uri="{FF2B5EF4-FFF2-40B4-BE49-F238E27FC236}">
-                <a16:creationId xmlns:a16="http://schemas.microsoft.com/office/drawing/2014/main" id="{739C9F64-3C07-10B5-4357-59371B1D62D7}"/>
+                <a16:creationId xmlns:a16="http://schemas.microsoft.com/office/drawing/2014/main" id="{2721D3BB-C8DC-2B48-7850-5585D48A61F7}"/>
               </a:ext>
             </a:extLst>
           </p:cNvPr>
@@ -1256,7 +1256,7 @@
           <p:cNvPr id="3" name="内容占位符 2">
             <a:extLst>
               <a:ext uri="{FF2B5EF4-FFF2-40B4-BE49-F238E27FC236}">
-                <a16:creationId xmlns:a16="http://schemas.microsoft.com/office/drawing/2014/main" id="{7463AF86-EB23-8719-D21B-B2764833C294}"/>
+                <a16:creationId xmlns:a16="http://schemas.microsoft.com/office/drawing/2014/main" id="{3DF39DAA-0BC6-AE0C-CBF4-803E2E19FA8A}"/>
               </a:ext>
             </a:extLst>
           </p:cNvPr>
@@ -1318,7 +1318,7 @@
           <p:cNvPr id="4" name="内容占位符 3">
             <a:extLst>
               <a:ext uri="{FF2B5EF4-FFF2-40B4-BE49-F238E27FC236}">
-                <a16:creationId xmlns:a16="http://schemas.microsoft.com/office/drawing/2014/main" id="{A359E3BA-D3C6-D725-0E01-22D304E42FE8}"/>
+                <a16:creationId xmlns:a16="http://schemas.microsoft.com/office/drawing/2014/main" id="{FA4F5989-E187-F388-32EB-26CDFD07B05E}"/>
               </a:ext>
             </a:extLst>
           </p:cNvPr>
@@ -1380,7 +1380,7 @@
           <p:cNvPr id="5" name="日期占位符 4">
             <a:extLst>
               <a:ext uri="{FF2B5EF4-FFF2-40B4-BE49-F238E27FC236}">
-                <a16:creationId xmlns:a16="http://schemas.microsoft.com/office/drawing/2014/main" id="{F3EBEF89-E07F-CA29-63F1-8E840AB50091}"/>
+                <a16:creationId xmlns:a16="http://schemas.microsoft.com/office/drawing/2014/main" id="{C3796AA1-7379-767C-0DF7-BDF49BF53656}"/>
               </a:ext>
             </a:extLst>
           </p:cNvPr>
@@ -1396,7 +1396,7 @@
           <a:bodyPr/>
           <a:lstStyle/>
           <a:p>
-            <a:fld id="{21A97B42-1522-4FF7-93E0-942D412BF246}" type="datetimeFigureOut">
+            <a:fld id="{BD5F28EF-F8CC-4040-BFC9-B632C5297458}" type="datetimeFigureOut">
               <a:rPr lang="zh-CN" altLang="en-US" smtClean="0"/>
               <a:t>2024/3/10</a:t>
             </a:fld>
@@ -1409,7 +1409,7 @@
           <p:cNvPr id="6" name="页脚占位符 5">
             <a:extLst>
               <a:ext uri="{FF2B5EF4-FFF2-40B4-BE49-F238E27FC236}">
-                <a16:creationId xmlns:a16="http://schemas.microsoft.com/office/drawing/2014/main" id="{8509EAFC-C030-48FC-4E50-7B06894639EC}"/>
+                <a16:creationId xmlns:a16="http://schemas.microsoft.com/office/drawing/2014/main" id="{7165E6A1-9E74-50E9-BF02-C0D07C1D98A5}"/>
               </a:ext>
             </a:extLst>
           </p:cNvPr>
@@ -1434,7 +1434,7 @@
           <p:cNvPr id="7" name="灯片编号占位符 6">
             <a:extLst>
               <a:ext uri="{FF2B5EF4-FFF2-40B4-BE49-F238E27FC236}">
-                <a16:creationId xmlns:a16="http://schemas.microsoft.com/office/drawing/2014/main" id="{091E8ADE-F036-B7A2-BF07-33FEE7267216}"/>
+                <a16:creationId xmlns:a16="http://schemas.microsoft.com/office/drawing/2014/main" id="{5EF44BA9-3AB0-6892-40E6-2CD1A283068A}"/>
               </a:ext>
             </a:extLst>
           </p:cNvPr>
@@ -1450,7 +1450,7 @@
           <a:bodyPr/>
           <a:lstStyle/>
           <a:p>
-            <a:fld id="{AD89C6FE-A9D2-41DD-92A9-BC7828FF72C4}" type="slidenum">
+            <a:fld id="{32A386AD-E4FD-46AC-BEF4-C5B229E3F653}" type="slidenum">
               <a:rPr lang="zh-CN" altLang="en-US" smtClean="0"/>
               <a:t>‹#›</a:t>
             </a:fld>
@@ -1461,7 +1461,7 @@
     </p:spTree>
     <p:extLst>
       <p:ext uri="{BB962C8B-B14F-4D97-AF65-F5344CB8AC3E}">
-        <p14:creationId xmlns:p14="http://schemas.microsoft.com/office/powerpoint/2010/main" val="3535700747"/>
+        <p14:creationId xmlns:p14="http://schemas.microsoft.com/office/powerpoint/2010/main" val="1818625288"/>
       </p:ext>
     </p:extLst>
   </p:cSld>
@@ -1493,7 +1493,7 @@
           <p:cNvPr id="2" name="标题 1">
             <a:extLst>
               <a:ext uri="{FF2B5EF4-FFF2-40B4-BE49-F238E27FC236}">
-                <a16:creationId xmlns:a16="http://schemas.microsoft.com/office/drawing/2014/main" id="{7552178D-1E52-6DD5-EE43-43D486E0DA60}"/>
+                <a16:creationId xmlns:a16="http://schemas.microsoft.com/office/drawing/2014/main" id="{F6752496-1AD0-8B62-F910-D29EF970A95B}"/>
               </a:ext>
             </a:extLst>
           </p:cNvPr>
@@ -1526,7 +1526,7 @@
           <p:cNvPr id="3" name="文本占位符 2">
             <a:extLst>
               <a:ext uri="{FF2B5EF4-FFF2-40B4-BE49-F238E27FC236}">
-                <a16:creationId xmlns:a16="http://schemas.microsoft.com/office/drawing/2014/main" id="{35FC678F-9B61-AA23-0DA7-D6269171349A}"/>
+                <a16:creationId xmlns:a16="http://schemas.microsoft.com/office/drawing/2014/main" id="{49C09B55-C3B2-683C-94F7-407E225AA277}"/>
               </a:ext>
             </a:extLst>
           </p:cNvPr>
@@ -1597,7 +1597,7 @@
           <p:cNvPr id="4" name="内容占位符 3">
             <a:extLst>
               <a:ext uri="{FF2B5EF4-FFF2-40B4-BE49-F238E27FC236}">
-                <a16:creationId xmlns:a16="http://schemas.microsoft.com/office/drawing/2014/main" id="{1A7656DB-20A6-F009-48B2-0ADE2EAE15A5}"/>
+                <a16:creationId xmlns:a16="http://schemas.microsoft.com/office/drawing/2014/main" id="{507989FA-4288-3DC3-80E4-FF88FCAC0E60}"/>
               </a:ext>
             </a:extLst>
           </p:cNvPr>
@@ -1659,7 +1659,7 @@
           <p:cNvPr id="5" name="文本占位符 4">
             <a:extLst>
               <a:ext uri="{FF2B5EF4-FFF2-40B4-BE49-F238E27FC236}">
-                <a16:creationId xmlns:a16="http://schemas.microsoft.com/office/drawing/2014/main" id="{59A725E4-3C9D-F664-0445-C214D3EAACBC}"/>
+                <a16:creationId xmlns:a16="http://schemas.microsoft.com/office/drawing/2014/main" id="{DC33749D-F9DF-0E71-5B43-476A5D884E64}"/>
               </a:ext>
             </a:extLst>
           </p:cNvPr>
@@ -1730,7 +1730,7 @@
           <p:cNvPr id="6" name="内容占位符 5">
             <a:extLst>
               <a:ext uri="{FF2B5EF4-FFF2-40B4-BE49-F238E27FC236}">
-                <a16:creationId xmlns:a16="http://schemas.microsoft.com/office/drawing/2014/main" id="{C530E93C-0FC1-66D8-3240-636C4EA64566}"/>
+                <a16:creationId xmlns:a16="http://schemas.microsoft.com/office/drawing/2014/main" id="{30085EE1-0CED-533F-8C79-11569D42C5CD}"/>
               </a:ext>
             </a:extLst>
           </p:cNvPr>
@@ -1792,7 +1792,7 @@
           <p:cNvPr id="7" name="日期占位符 6">
             <a:extLst>
               <a:ext uri="{FF2B5EF4-FFF2-40B4-BE49-F238E27FC236}">
-                <a16:creationId xmlns:a16="http://schemas.microsoft.com/office/drawing/2014/main" id="{BD8C59C1-8ADE-9142-AE91-E8F65F14E371}"/>
+                <a16:creationId xmlns:a16="http://schemas.microsoft.com/office/drawing/2014/main" id="{0F9E6658-8FC3-91D9-9C71-4CC7D01855BF}"/>
               </a:ext>
             </a:extLst>
           </p:cNvPr>
@@ -1808,7 +1808,7 @@
           <a:bodyPr/>
           <a:lstStyle/>
           <a:p>
-            <a:fld id="{21A97B42-1522-4FF7-93E0-942D412BF246}" type="datetimeFigureOut">
+            <a:fld id="{BD5F28EF-F8CC-4040-BFC9-B632C5297458}" type="datetimeFigureOut">
               <a:rPr lang="zh-CN" altLang="en-US" smtClean="0"/>
               <a:t>2024/3/10</a:t>
             </a:fld>
@@ -1821,7 +1821,7 @@
           <p:cNvPr id="8" name="页脚占位符 7">
             <a:extLst>
               <a:ext uri="{FF2B5EF4-FFF2-40B4-BE49-F238E27FC236}">
-                <a16:creationId xmlns:a16="http://schemas.microsoft.com/office/drawing/2014/main" id="{2D15D536-6512-0601-8085-2E3A9B130298}"/>
+                <a16:creationId xmlns:a16="http://schemas.microsoft.com/office/drawing/2014/main" id="{25634B38-834B-667C-C0AB-91462EC9156B}"/>
               </a:ext>
             </a:extLst>
           </p:cNvPr>
@@ -1846,7 +1846,7 @@
           <p:cNvPr id="9" name="灯片编号占位符 8">
             <a:extLst>
               <a:ext uri="{FF2B5EF4-FFF2-40B4-BE49-F238E27FC236}">
-                <a16:creationId xmlns:a16="http://schemas.microsoft.com/office/drawing/2014/main" id="{4C92AE50-2829-AB89-CF6C-2639689FB008}"/>
+                <a16:creationId xmlns:a16="http://schemas.microsoft.com/office/drawing/2014/main" id="{6D9A1E61-EAB3-FBBF-3985-41303BCE422E}"/>
               </a:ext>
             </a:extLst>
           </p:cNvPr>
@@ -1862,7 +1862,7 @@
           <a:bodyPr/>
           <a:lstStyle/>
           <a:p>
-            <a:fld id="{AD89C6FE-A9D2-41DD-92A9-BC7828FF72C4}" type="slidenum">
+            <a:fld id="{32A386AD-E4FD-46AC-BEF4-C5B229E3F653}" type="slidenum">
               <a:rPr lang="zh-CN" altLang="en-US" smtClean="0"/>
               <a:t>‹#›</a:t>
             </a:fld>
@@ -1873,7 +1873,7 @@
     </p:spTree>
     <p:extLst>
       <p:ext uri="{BB962C8B-B14F-4D97-AF65-F5344CB8AC3E}">
-        <p14:creationId xmlns:p14="http://schemas.microsoft.com/office/powerpoint/2010/main" val="2495094110"/>
+        <p14:creationId xmlns:p14="http://schemas.microsoft.com/office/powerpoint/2010/main" val="3870860904"/>
       </p:ext>
     </p:extLst>
   </p:cSld>
@@ -1905,7 +1905,7 @@
           <p:cNvPr id="2" name="标题 1">
             <a:extLst>
               <a:ext uri="{FF2B5EF4-FFF2-40B4-BE49-F238E27FC236}">
-                <a16:creationId xmlns:a16="http://schemas.microsoft.com/office/drawing/2014/main" id="{783AF748-FF18-01EC-0538-EE8773BA9310}"/>
+                <a16:creationId xmlns:a16="http://schemas.microsoft.com/office/drawing/2014/main" id="{241C4A29-1739-17FB-B19A-8B9415380360}"/>
               </a:ext>
             </a:extLst>
           </p:cNvPr>
@@ -1933,7 +1933,7 @@
           <p:cNvPr id="3" name="日期占位符 2">
             <a:extLst>
               <a:ext uri="{FF2B5EF4-FFF2-40B4-BE49-F238E27FC236}">
-                <a16:creationId xmlns:a16="http://schemas.microsoft.com/office/drawing/2014/main" id="{AFB5D94C-087B-3B03-2804-6324F764DC50}"/>
+                <a16:creationId xmlns:a16="http://schemas.microsoft.com/office/drawing/2014/main" id="{64AB630F-26DD-94B0-C3FA-ADF8CFD428E5}"/>
               </a:ext>
             </a:extLst>
           </p:cNvPr>
@@ -1949,7 +1949,7 @@
           <a:bodyPr/>
           <a:lstStyle/>
           <a:p>
-            <a:fld id="{21A97B42-1522-4FF7-93E0-942D412BF246}" type="datetimeFigureOut">
+            <a:fld id="{BD5F28EF-F8CC-4040-BFC9-B632C5297458}" type="datetimeFigureOut">
               <a:rPr lang="zh-CN" altLang="en-US" smtClean="0"/>
               <a:t>2024/3/10</a:t>
             </a:fld>
@@ -1962,7 +1962,7 @@
           <p:cNvPr id="4" name="页脚占位符 3">
             <a:extLst>
               <a:ext uri="{FF2B5EF4-FFF2-40B4-BE49-F238E27FC236}">
-                <a16:creationId xmlns:a16="http://schemas.microsoft.com/office/drawing/2014/main" id="{6B18042B-FE01-9CE5-C8F5-7712DF0B54F2}"/>
+                <a16:creationId xmlns:a16="http://schemas.microsoft.com/office/drawing/2014/main" id="{2BBB6970-3666-C7DF-F198-FA7B2FF6FEE1}"/>
               </a:ext>
             </a:extLst>
           </p:cNvPr>
@@ -1987,7 +1987,7 @@
           <p:cNvPr id="5" name="灯片编号占位符 4">
             <a:extLst>
               <a:ext uri="{FF2B5EF4-FFF2-40B4-BE49-F238E27FC236}">
-                <a16:creationId xmlns:a16="http://schemas.microsoft.com/office/drawing/2014/main" id="{D2D3BA60-AA47-96AE-A7B6-6034DFD9494B}"/>
+                <a16:creationId xmlns:a16="http://schemas.microsoft.com/office/drawing/2014/main" id="{3FBC9A76-866D-0401-FA00-04A494626F6E}"/>
               </a:ext>
             </a:extLst>
           </p:cNvPr>
@@ -2003,7 +2003,7 @@
           <a:bodyPr/>
           <a:lstStyle/>
           <a:p>
-            <a:fld id="{AD89C6FE-A9D2-41DD-92A9-BC7828FF72C4}" type="slidenum">
+            <a:fld id="{32A386AD-E4FD-46AC-BEF4-C5B229E3F653}" type="slidenum">
               <a:rPr lang="zh-CN" altLang="en-US" smtClean="0"/>
               <a:t>‹#›</a:t>
             </a:fld>
@@ -2014,7 +2014,7 @@
     </p:spTree>
     <p:extLst>
       <p:ext uri="{BB962C8B-B14F-4D97-AF65-F5344CB8AC3E}">
-        <p14:creationId xmlns:p14="http://schemas.microsoft.com/office/powerpoint/2010/main" val="77779801"/>
+        <p14:creationId xmlns:p14="http://schemas.microsoft.com/office/powerpoint/2010/main" val="3349833451"/>
       </p:ext>
     </p:extLst>
   </p:cSld>
@@ -2046,7 +2046,7 @@
           <p:cNvPr id="2" name="日期占位符 1">
             <a:extLst>
               <a:ext uri="{FF2B5EF4-FFF2-40B4-BE49-F238E27FC236}">
-                <a16:creationId xmlns:a16="http://schemas.microsoft.com/office/drawing/2014/main" id="{69466CC2-2021-2105-E7B4-EF8EFFABB602}"/>
+                <a16:creationId xmlns:a16="http://schemas.microsoft.com/office/drawing/2014/main" id="{99009BC7-5405-F069-8447-FEEEB5DD3F8B}"/>
               </a:ext>
             </a:extLst>
           </p:cNvPr>
@@ -2062,7 +2062,7 @@
           <a:bodyPr/>
           <a:lstStyle/>
           <a:p>
-            <a:fld id="{21A97B42-1522-4FF7-93E0-942D412BF246}" type="datetimeFigureOut">
+            <a:fld id="{BD5F28EF-F8CC-4040-BFC9-B632C5297458}" type="datetimeFigureOut">
               <a:rPr lang="zh-CN" altLang="en-US" smtClean="0"/>
               <a:t>2024/3/10</a:t>
             </a:fld>
@@ -2075,7 +2075,7 @@
           <p:cNvPr id="3" name="页脚占位符 2">
             <a:extLst>
               <a:ext uri="{FF2B5EF4-FFF2-40B4-BE49-F238E27FC236}">
-                <a16:creationId xmlns:a16="http://schemas.microsoft.com/office/drawing/2014/main" id="{2295015B-B1B7-7F20-1B00-052FDD9B28E7}"/>
+                <a16:creationId xmlns:a16="http://schemas.microsoft.com/office/drawing/2014/main" id="{E3161AE0-83AC-8E8A-DAD0-785722CA69CA}"/>
               </a:ext>
             </a:extLst>
           </p:cNvPr>
@@ -2100,7 +2100,7 @@
           <p:cNvPr id="4" name="灯片编号占位符 3">
             <a:extLst>
               <a:ext uri="{FF2B5EF4-FFF2-40B4-BE49-F238E27FC236}">
-                <a16:creationId xmlns:a16="http://schemas.microsoft.com/office/drawing/2014/main" id="{F82117E6-ED31-F10D-E924-C6D7EF6538C8}"/>
+                <a16:creationId xmlns:a16="http://schemas.microsoft.com/office/drawing/2014/main" id="{49280530-6342-2B53-D855-939B240812C6}"/>
               </a:ext>
             </a:extLst>
           </p:cNvPr>
@@ -2116,7 +2116,7 @@
           <a:bodyPr/>
           <a:lstStyle/>
           <a:p>
-            <a:fld id="{AD89C6FE-A9D2-41DD-92A9-BC7828FF72C4}" type="slidenum">
+            <a:fld id="{32A386AD-E4FD-46AC-BEF4-C5B229E3F653}" type="slidenum">
               <a:rPr lang="zh-CN" altLang="en-US" smtClean="0"/>
               <a:t>‹#›</a:t>
             </a:fld>
@@ -2127,7 +2127,7 @@
     </p:spTree>
     <p:extLst>
       <p:ext uri="{BB962C8B-B14F-4D97-AF65-F5344CB8AC3E}">
-        <p14:creationId xmlns:p14="http://schemas.microsoft.com/office/powerpoint/2010/main" val="641291701"/>
+        <p14:creationId xmlns:p14="http://schemas.microsoft.com/office/powerpoint/2010/main" val="1226072702"/>
       </p:ext>
     </p:extLst>
   </p:cSld>
@@ -2159,7 +2159,7 @@
           <p:cNvPr id="2" name="标题 1">
             <a:extLst>
               <a:ext uri="{FF2B5EF4-FFF2-40B4-BE49-F238E27FC236}">
-                <a16:creationId xmlns:a16="http://schemas.microsoft.com/office/drawing/2014/main" id="{A6D44EB3-C6DE-564D-DA17-426D6AA9D937}"/>
+                <a16:creationId xmlns:a16="http://schemas.microsoft.com/office/drawing/2014/main" id="{65488794-C2B7-E8E5-04CD-113E4CD562E9}"/>
               </a:ext>
             </a:extLst>
           </p:cNvPr>
@@ -2196,7 +2196,7 @@
           <p:cNvPr id="3" name="内容占位符 2">
             <a:extLst>
               <a:ext uri="{FF2B5EF4-FFF2-40B4-BE49-F238E27FC236}">
-                <a16:creationId xmlns:a16="http://schemas.microsoft.com/office/drawing/2014/main" id="{B5BEEF00-3605-426F-BC28-0C0625A3F187}"/>
+                <a16:creationId xmlns:a16="http://schemas.microsoft.com/office/drawing/2014/main" id="{9A071375-D309-A479-E4EB-57A7645D01DE}"/>
               </a:ext>
             </a:extLst>
           </p:cNvPr>
@@ -2286,7 +2286,7 @@
           <p:cNvPr id="4" name="文本占位符 3">
             <a:extLst>
               <a:ext uri="{FF2B5EF4-FFF2-40B4-BE49-F238E27FC236}">
-                <a16:creationId xmlns:a16="http://schemas.microsoft.com/office/drawing/2014/main" id="{54FADF66-7764-7909-175D-927A89BD68B1}"/>
+                <a16:creationId xmlns:a16="http://schemas.microsoft.com/office/drawing/2014/main" id="{4FE95A9A-1677-09AF-45DC-6FA423F20D3B}"/>
               </a:ext>
             </a:extLst>
           </p:cNvPr>
@@ -2357,7 +2357,7 @@
           <p:cNvPr id="5" name="日期占位符 4">
             <a:extLst>
               <a:ext uri="{FF2B5EF4-FFF2-40B4-BE49-F238E27FC236}">
-                <a16:creationId xmlns:a16="http://schemas.microsoft.com/office/drawing/2014/main" id="{EF70F1E5-96D0-73CA-7DD1-2F060799A396}"/>
+                <a16:creationId xmlns:a16="http://schemas.microsoft.com/office/drawing/2014/main" id="{AAEEDFF7-06A0-8E75-B92A-D09F1E1D8F2C}"/>
               </a:ext>
             </a:extLst>
           </p:cNvPr>
@@ -2373,7 +2373,7 @@
           <a:bodyPr/>
           <a:lstStyle/>
           <a:p>
-            <a:fld id="{21A97B42-1522-4FF7-93E0-942D412BF246}" type="datetimeFigureOut">
+            <a:fld id="{BD5F28EF-F8CC-4040-BFC9-B632C5297458}" type="datetimeFigureOut">
               <a:rPr lang="zh-CN" altLang="en-US" smtClean="0"/>
               <a:t>2024/3/10</a:t>
             </a:fld>
@@ -2386,7 +2386,7 @@
           <p:cNvPr id="6" name="页脚占位符 5">
             <a:extLst>
               <a:ext uri="{FF2B5EF4-FFF2-40B4-BE49-F238E27FC236}">
-                <a16:creationId xmlns:a16="http://schemas.microsoft.com/office/drawing/2014/main" id="{FB9300DB-CA7A-E4E5-D138-1E99926DCB3C}"/>
+                <a16:creationId xmlns:a16="http://schemas.microsoft.com/office/drawing/2014/main" id="{AADCC7FA-B80C-7D3D-F95E-854F6A696D4D}"/>
               </a:ext>
             </a:extLst>
           </p:cNvPr>
@@ -2411,7 +2411,7 @@
           <p:cNvPr id="7" name="灯片编号占位符 6">
             <a:extLst>
               <a:ext uri="{FF2B5EF4-FFF2-40B4-BE49-F238E27FC236}">
-                <a16:creationId xmlns:a16="http://schemas.microsoft.com/office/drawing/2014/main" id="{DAEF7C55-D8A4-3A5F-364A-4FA90FF7D4B6}"/>
+                <a16:creationId xmlns:a16="http://schemas.microsoft.com/office/drawing/2014/main" id="{ED3CB0F9-FB8F-80C0-4343-399148B578C0}"/>
               </a:ext>
             </a:extLst>
           </p:cNvPr>
@@ -2427,7 +2427,7 @@
           <a:bodyPr/>
           <a:lstStyle/>
           <a:p>
-            <a:fld id="{AD89C6FE-A9D2-41DD-92A9-BC7828FF72C4}" type="slidenum">
+            <a:fld id="{32A386AD-E4FD-46AC-BEF4-C5B229E3F653}" type="slidenum">
               <a:rPr lang="zh-CN" altLang="en-US" smtClean="0"/>
               <a:t>‹#›</a:t>
             </a:fld>
@@ -2438,7 +2438,7 @@
     </p:spTree>
     <p:extLst>
       <p:ext uri="{BB962C8B-B14F-4D97-AF65-F5344CB8AC3E}">
-        <p14:creationId xmlns:p14="http://schemas.microsoft.com/office/powerpoint/2010/main" val="1681555428"/>
+        <p14:creationId xmlns:p14="http://schemas.microsoft.com/office/powerpoint/2010/main" val="4186162156"/>
       </p:ext>
     </p:extLst>
   </p:cSld>
@@ -2470,7 +2470,7 @@
           <p:cNvPr id="2" name="标题 1">
             <a:extLst>
               <a:ext uri="{FF2B5EF4-FFF2-40B4-BE49-F238E27FC236}">
-                <a16:creationId xmlns:a16="http://schemas.microsoft.com/office/drawing/2014/main" id="{2911A30A-40D6-F560-400A-7FF741D9A182}"/>
+                <a16:creationId xmlns:a16="http://schemas.microsoft.com/office/drawing/2014/main" id="{3938A0D3-EF84-E4E0-B17A-AC8457450500}"/>
               </a:ext>
             </a:extLst>
           </p:cNvPr>
@@ -2507,7 +2507,7 @@
           <p:cNvPr id="3" name="图片占位符 2">
             <a:extLst>
               <a:ext uri="{FF2B5EF4-FFF2-40B4-BE49-F238E27FC236}">
-                <a16:creationId xmlns:a16="http://schemas.microsoft.com/office/drawing/2014/main" id="{1CAEC63E-BC30-691F-FA7F-FEA4B80DBA22}"/>
+                <a16:creationId xmlns:a16="http://schemas.microsoft.com/office/drawing/2014/main" id="{E7524F5B-925C-7197-8B8A-2E74ADC733A9}"/>
               </a:ext>
             </a:extLst>
           </p:cNvPr>
@@ -2574,7 +2574,7 @@
           <p:cNvPr id="4" name="文本占位符 3">
             <a:extLst>
               <a:ext uri="{FF2B5EF4-FFF2-40B4-BE49-F238E27FC236}">
-                <a16:creationId xmlns:a16="http://schemas.microsoft.com/office/drawing/2014/main" id="{5756FC83-1651-D2A1-F36E-98902EC9DED9}"/>
+                <a16:creationId xmlns:a16="http://schemas.microsoft.com/office/drawing/2014/main" id="{889E642D-60F2-1CF9-23FA-DB6222CDEC11}"/>
               </a:ext>
             </a:extLst>
           </p:cNvPr>
@@ -2645,7 +2645,7 @@
           <p:cNvPr id="5" name="日期占位符 4">
             <a:extLst>
               <a:ext uri="{FF2B5EF4-FFF2-40B4-BE49-F238E27FC236}">
-                <a16:creationId xmlns:a16="http://schemas.microsoft.com/office/drawing/2014/main" id="{AD938438-41CB-A770-25B5-1D0219234105}"/>
+                <a16:creationId xmlns:a16="http://schemas.microsoft.com/office/drawing/2014/main" id="{20EA361A-98A3-F48B-509C-CB73E24EA4FE}"/>
               </a:ext>
             </a:extLst>
           </p:cNvPr>
@@ -2661,7 +2661,7 @@
           <a:bodyPr/>
           <a:lstStyle/>
           <a:p>
-            <a:fld id="{21A97B42-1522-4FF7-93E0-942D412BF246}" type="datetimeFigureOut">
+            <a:fld id="{BD5F28EF-F8CC-4040-BFC9-B632C5297458}" type="datetimeFigureOut">
               <a:rPr lang="zh-CN" altLang="en-US" smtClean="0"/>
               <a:t>2024/3/10</a:t>
             </a:fld>
@@ -2674,7 +2674,7 @@
           <p:cNvPr id="6" name="页脚占位符 5">
             <a:extLst>
               <a:ext uri="{FF2B5EF4-FFF2-40B4-BE49-F238E27FC236}">
-                <a16:creationId xmlns:a16="http://schemas.microsoft.com/office/drawing/2014/main" id="{57C85C33-9A20-3F78-2866-B6FD0AD8AFB8}"/>
+                <a16:creationId xmlns:a16="http://schemas.microsoft.com/office/drawing/2014/main" id="{A85A5889-CF07-9C51-8165-237341C70B50}"/>
               </a:ext>
             </a:extLst>
           </p:cNvPr>
@@ -2699,7 +2699,7 @@
           <p:cNvPr id="7" name="灯片编号占位符 6">
             <a:extLst>
               <a:ext uri="{FF2B5EF4-FFF2-40B4-BE49-F238E27FC236}">
-                <a16:creationId xmlns:a16="http://schemas.microsoft.com/office/drawing/2014/main" id="{B3D53B93-2788-9DD2-6302-1AEFDF114017}"/>
+                <a16:creationId xmlns:a16="http://schemas.microsoft.com/office/drawing/2014/main" id="{73CD5EA8-233E-D97A-0C78-AAEB3AF263FE}"/>
               </a:ext>
             </a:extLst>
           </p:cNvPr>
@@ -2715,7 +2715,7 @@
           <a:bodyPr/>
           <a:lstStyle/>
           <a:p>
-            <a:fld id="{AD89C6FE-A9D2-41DD-92A9-BC7828FF72C4}" type="slidenum">
+            <a:fld id="{32A386AD-E4FD-46AC-BEF4-C5B229E3F653}" type="slidenum">
               <a:rPr lang="zh-CN" altLang="en-US" smtClean="0"/>
               <a:t>‹#›</a:t>
             </a:fld>
@@ -2726,7 +2726,7 @@
     </p:spTree>
     <p:extLst>
       <p:ext uri="{BB962C8B-B14F-4D97-AF65-F5344CB8AC3E}">
-        <p14:creationId xmlns:p14="http://schemas.microsoft.com/office/powerpoint/2010/main" val="390456042"/>
+        <p14:creationId xmlns:p14="http://schemas.microsoft.com/office/powerpoint/2010/main" val="955654463"/>
       </p:ext>
     </p:extLst>
   </p:cSld>
@@ -2763,7 +2763,7 @@
           <p:cNvPr id="2" name="标题占位符 1">
             <a:extLst>
               <a:ext uri="{FF2B5EF4-FFF2-40B4-BE49-F238E27FC236}">
-                <a16:creationId xmlns:a16="http://schemas.microsoft.com/office/drawing/2014/main" id="{B9C799BE-DCE8-5A28-4EAA-154B9E58EB10}"/>
+                <a16:creationId xmlns:a16="http://schemas.microsoft.com/office/drawing/2014/main" id="{967C34AB-CC03-B1BE-DA58-90EDD29D956F}"/>
               </a:ext>
             </a:extLst>
           </p:cNvPr>
@@ -2801,7 +2801,7 @@
           <p:cNvPr id="3" name="文本占位符 2">
             <a:extLst>
               <a:ext uri="{FF2B5EF4-FFF2-40B4-BE49-F238E27FC236}">
-                <a16:creationId xmlns:a16="http://schemas.microsoft.com/office/drawing/2014/main" id="{80B95414-5922-207A-54AF-187C627C9D48}"/>
+                <a16:creationId xmlns:a16="http://schemas.microsoft.com/office/drawing/2014/main" id="{20518571-6B9C-3AA4-05CA-CD8721908879}"/>
               </a:ext>
             </a:extLst>
           </p:cNvPr>
@@ -2868,7 +2868,7 @@
           <p:cNvPr id="4" name="日期占位符 3">
             <a:extLst>
               <a:ext uri="{FF2B5EF4-FFF2-40B4-BE49-F238E27FC236}">
-                <a16:creationId xmlns:a16="http://schemas.microsoft.com/office/drawing/2014/main" id="{96101E9E-8197-507C-322D-281E2B89CCC8}"/>
+                <a16:creationId xmlns:a16="http://schemas.microsoft.com/office/drawing/2014/main" id="{5B88CE4A-802D-A27B-CDEB-F803D9699B1A}"/>
               </a:ext>
             </a:extLst>
           </p:cNvPr>
@@ -2902,7 +2902,7 @@
             </a:lvl1pPr>
           </a:lstStyle>
           <a:p>
-            <a:fld id="{21A97B42-1522-4FF7-93E0-942D412BF246}" type="datetimeFigureOut">
+            <a:fld id="{BD5F28EF-F8CC-4040-BFC9-B632C5297458}" type="datetimeFigureOut">
               <a:rPr lang="zh-CN" altLang="en-US" smtClean="0"/>
               <a:t>2024/3/10</a:t>
             </a:fld>
@@ -2915,7 +2915,7 @@
           <p:cNvPr id="5" name="页脚占位符 4">
             <a:extLst>
               <a:ext uri="{FF2B5EF4-FFF2-40B4-BE49-F238E27FC236}">
-                <a16:creationId xmlns:a16="http://schemas.microsoft.com/office/drawing/2014/main" id="{21F3CCEB-81CC-5F1A-9B68-BCF7C5C2A718}"/>
+                <a16:creationId xmlns:a16="http://schemas.microsoft.com/office/drawing/2014/main" id="{69447CAA-29B6-3143-AF5B-D32243C905A5}"/>
               </a:ext>
             </a:extLst>
           </p:cNvPr>
@@ -2958,7 +2958,7 @@
           <p:cNvPr id="6" name="灯片编号占位符 5">
             <a:extLst>
               <a:ext uri="{FF2B5EF4-FFF2-40B4-BE49-F238E27FC236}">
-                <a16:creationId xmlns:a16="http://schemas.microsoft.com/office/drawing/2014/main" id="{53846CDE-E34A-9226-1A57-058A1BAFBD98}"/>
+                <a16:creationId xmlns:a16="http://schemas.microsoft.com/office/drawing/2014/main" id="{AD80E73D-4C10-929C-85ED-5807084CB5E9}"/>
               </a:ext>
             </a:extLst>
           </p:cNvPr>
@@ -2992,7 +2992,7 @@
             </a:lvl1pPr>
           </a:lstStyle>
           <a:p>
-            <a:fld id="{AD89C6FE-A9D2-41DD-92A9-BC7828FF72C4}" type="slidenum">
+            <a:fld id="{32A386AD-E4FD-46AC-BEF4-C5B229E3F653}" type="slidenum">
               <a:rPr lang="zh-CN" altLang="en-US" smtClean="0"/>
               <a:t>‹#›</a:t>
             </a:fld>
@@ -3003,7 +3003,7 @@
     </p:spTree>
     <p:extLst>
       <p:ext uri="{BB962C8B-B14F-4D97-AF65-F5344CB8AC3E}">
-        <p14:creationId xmlns:p14="http://schemas.microsoft.com/office/powerpoint/2010/main" val="1586189437"/>
+        <p14:creationId xmlns:p14="http://schemas.microsoft.com/office/powerpoint/2010/main" val="3847291416"/>
       </p:ext>
     </p:extLst>
   </p:cSld>
@@ -3323,7 +3323,7 @@
       </p:grpSpPr>
       <p:pic>
         <p:nvPicPr>
-          <p:cNvPr id="945154" name="Picture 2" descr="922"/>
+          <p:cNvPr id="946178" name="Picture 2" descr="923"/>
           <p:cNvPicPr>
             <a:picLocks noChangeAspect="1" noChangeArrowheads="1"/>
           </p:cNvPicPr>
@@ -3344,8 +3344,8 @@
         </p:blipFill>
         <p:spPr bwMode="auto">
           <a:xfrm>
-            <a:off x="1524000" y="0"/>
-            <a:ext cx="9144000" cy="6858000"/>
+            <a:off x="1524001" y="0"/>
+            <a:ext cx="9053513" cy="6789738"/>
           </a:xfrm>
           <a:prstGeom prst="rect">
             <a:avLst/>
@@ -3377,7 +3377,7 @@
       </p:pic>
       <p:pic>
         <p:nvPicPr>
-          <p:cNvPr id="946179" name="Picture 3" descr="922-2"/>
+          <p:cNvPr id="947203" name="Picture 3" descr="923-2"/>
           <p:cNvPicPr>
             <a:picLocks noChangeAspect="1" noChangeArrowheads="1"/>
           </p:cNvPicPr>
@@ -3398,8 +3398,8 @@
         </p:blipFill>
         <p:spPr bwMode="auto">
           <a:xfrm>
-            <a:off x="1524001" y="1"/>
-            <a:ext cx="9053513" cy="6886575"/>
+            <a:off x="1524000" y="-12700"/>
+            <a:ext cx="9055100" cy="6870700"/>
           </a:xfrm>
           <a:prstGeom prst="rect">
             <a:avLst/>
@@ -3478,7 +3478,7 @@
                                           </p:stCondLst>
                                         </p:cTn>
                                         <p:tgtEl>
-                                          <p:spTgt spid="946179"/>
+                                          <p:spTgt spid="947203"/>
                                         </p:tgtEl>
                                         <p:attrNameLst>
                                           <p:attrName>style.visibility</p:attrName>
@@ -3492,7 +3492,7 @@
                                       <p:cBhvr>
                                         <p:cTn id="7" dur="500"/>
                                         <p:tgtEl>
-                                          <p:spTgt spid="946179"/>
+                                          <p:spTgt spid="947203"/>
                                         </p:tgtEl>
                                       </p:cBhvr>
                                     </p:animEffect>
